--- a/Resources/Game Project Intro.pptx
+++ b/Resources/Game Project Intro.pptx
@@ -302,7 +302,7 @@
           <a:p>
             <a:fld id="{AB300B42-CE34-4C8F-B5A7-6CFE40D4AB29}" type="datetimeFigureOut">
               <a:rPr lang="en-US" smtClean="0"/>
-              <a:t>5/15/2013</a:t>
+              <a:t>5/20/2013</a:t>
             </a:fld>
             <a:endParaRPr lang="en-US"/>
           </a:p>
@@ -472,7 +472,7 @@
           <a:p>
             <a:fld id="{AB300B42-CE34-4C8F-B5A7-6CFE40D4AB29}" type="datetimeFigureOut">
               <a:rPr lang="en-US" smtClean="0"/>
-              <a:t>5/15/2013</a:t>
+              <a:t>5/20/2013</a:t>
             </a:fld>
             <a:endParaRPr lang="en-US"/>
           </a:p>
@@ -652,7 +652,7 @@
           <a:p>
             <a:fld id="{AB300B42-CE34-4C8F-B5A7-6CFE40D4AB29}" type="datetimeFigureOut">
               <a:rPr lang="en-US" smtClean="0"/>
-              <a:t>5/15/2013</a:t>
+              <a:t>5/20/2013</a:t>
             </a:fld>
             <a:endParaRPr lang="en-US"/>
           </a:p>
@@ -822,7 +822,7 @@
           <a:p>
             <a:fld id="{AB300B42-CE34-4C8F-B5A7-6CFE40D4AB29}" type="datetimeFigureOut">
               <a:rPr lang="en-US" smtClean="0"/>
-              <a:t>5/15/2013</a:t>
+              <a:t>5/20/2013</a:t>
             </a:fld>
             <a:endParaRPr lang="en-US"/>
           </a:p>
@@ -1068,7 +1068,7 @@
           <a:p>
             <a:fld id="{AB300B42-CE34-4C8F-B5A7-6CFE40D4AB29}" type="datetimeFigureOut">
               <a:rPr lang="en-US" smtClean="0"/>
-              <a:t>5/15/2013</a:t>
+              <a:t>5/20/2013</a:t>
             </a:fld>
             <a:endParaRPr lang="en-US"/>
           </a:p>
@@ -1356,7 +1356,7 @@
           <a:p>
             <a:fld id="{AB300B42-CE34-4C8F-B5A7-6CFE40D4AB29}" type="datetimeFigureOut">
               <a:rPr lang="en-US" smtClean="0"/>
-              <a:t>5/15/2013</a:t>
+              <a:t>5/20/2013</a:t>
             </a:fld>
             <a:endParaRPr lang="en-US"/>
           </a:p>
@@ -1778,7 +1778,7 @@
           <a:p>
             <a:fld id="{AB300B42-CE34-4C8F-B5A7-6CFE40D4AB29}" type="datetimeFigureOut">
               <a:rPr lang="en-US" smtClean="0"/>
-              <a:t>5/15/2013</a:t>
+              <a:t>5/20/2013</a:t>
             </a:fld>
             <a:endParaRPr lang="en-US"/>
           </a:p>
@@ -1896,7 +1896,7 @@
           <a:p>
             <a:fld id="{AB300B42-CE34-4C8F-B5A7-6CFE40D4AB29}" type="datetimeFigureOut">
               <a:rPr lang="en-US" smtClean="0"/>
-              <a:t>5/15/2013</a:t>
+              <a:t>5/20/2013</a:t>
             </a:fld>
             <a:endParaRPr lang="en-US"/>
           </a:p>
@@ -1991,7 +1991,7 @@
           <a:p>
             <a:fld id="{AB300B42-CE34-4C8F-B5A7-6CFE40D4AB29}" type="datetimeFigureOut">
               <a:rPr lang="en-US" smtClean="0"/>
-              <a:t>5/15/2013</a:t>
+              <a:t>5/20/2013</a:t>
             </a:fld>
             <a:endParaRPr lang="en-US"/>
           </a:p>
@@ -2268,7 +2268,7 @@
           <a:p>
             <a:fld id="{AB300B42-CE34-4C8F-B5A7-6CFE40D4AB29}" type="datetimeFigureOut">
               <a:rPr lang="en-US" smtClean="0"/>
-              <a:t>5/15/2013</a:t>
+              <a:t>5/20/2013</a:t>
             </a:fld>
             <a:endParaRPr lang="en-US"/>
           </a:p>
@@ -2521,7 +2521,7 @@
           <a:p>
             <a:fld id="{AB300B42-CE34-4C8F-B5A7-6CFE40D4AB29}" type="datetimeFigureOut">
               <a:rPr lang="en-US" smtClean="0"/>
-              <a:t>5/15/2013</a:t>
+              <a:t>5/20/2013</a:t>
             </a:fld>
             <a:endParaRPr lang="en-US"/>
           </a:p>
@@ -2734,7 +2734,7 @@
           <a:p>
             <a:fld id="{AB300B42-CE34-4C8F-B5A7-6CFE40D4AB29}" type="datetimeFigureOut">
               <a:rPr lang="en-US" smtClean="0"/>
-              <a:t>5/15/2013</a:t>
+              <a:t>5/20/2013</a:t>
             </a:fld>
             <a:endParaRPr lang="en-US"/>
           </a:p>
@@ -3162,13 +3162,13 @@
           <a:p>
             <a:r>
               <a:rPr lang="en-US" sz="2000" dirty="0" smtClean="0"/>
-              <a:t>Mr. Mahoney</a:t>
-            </a:r>
-          </a:p>
-          <a:p>
-            <a:r>
-              <a:rPr lang="en-US" sz="2000" dirty="0" smtClean="0"/>
-              <a:t>MHS 2012</a:t>
+              <a:t>Ms. Gerstein</a:t>
+            </a:r>
+          </a:p>
+          <a:p>
+            <a:r>
+              <a:rPr lang="en-US" sz="2000" smtClean="0"/>
+              <a:t>MHS 2013</a:t>
             </a:r>
             <a:endParaRPr lang="en-US" sz="2000" dirty="0"/>
           </a:p>
@@ -3741,22 +3741,13 @@
           <a:p>
             <a:r>
               <a:rPr lang="en-US" dirty="0" smtClean="0"/>
-              <a:t>Project Start: week of </a:t>
-            </a:r>
-            <a:r>
-              <a:rPr lang="en-US" dirty="0" smtClean="0"/>
-              <a:t>5/20</a:t>
-            </a:r>
-            <a:endParaRPr lang="en-US" dirty="0" smtClean="0"/>
-          </a:p>
-          <a:p>
-            <a:r>
-              <a:rPr lang="en-US" dirty="0" smtClean="0"/>
-              <a:t>Project Description due </a:t>
-            </a:r>
-            <a:r>
-              <a:rPr lang="en-US" dirty="0" smtClean="0"/>
-              <a:t>no later than 5/24, posted to your team’s </a:t>
+              <a:t>Project Start: week of 5/20</a:t>
+            </a:r>
+          </a:p>
+          <a:p>
+            <a:r>
+              <a:rPr lang="en-US" dirty="0" smtClean="0"/>
+              <a:t>Project Description due no later than 5/24, posted to your team’s </a:t>
             </a:r>
             <a:r>
               <a:rPr lang="en-US" dirty="0" err="1" smtClean="0"/>
@@ -3766,7 +3757,6 @@
               <a:rPr lang="en-US" dirty="0" smtClean="0"/>
               <a:t> repository</a:t>
             </a:r>
-            <a:endParaRPr lang="en-US" dirty="0" smtClean="0"/>
           </a:p>
           <a:p>
             <a:pPr lvl="1"/>
@@ -3783,26 +3773,14 @@
           <a:p>
             <a:r>
               <a:rPr lang="en-US" dirty="0" smtClean="0"/>
-              <a:t>Flowchart due </a:t>
-            </a:r>
-            <a:r>
-              <a:rPr lang="en-US" dirty="0" smtClean="0"/>
-              <a:t>no later than 5/31</a:t>
+              <a:t>Flowchart due no later than 5/31</a:t>
             </a:r>
             <a:endParaRPr lang="en-US" baseline="30000" dirty="0" smtClean="0"/>
           </a:p>
           <a:p>
             <a:r>
               <a:rPr lang="en-US" dirty="0" smtClean="0"/>
-              <a:t>Final report and game </a:t>
-            </a:r>
-            <a:r>
-              <a:rPr lang="en-US" dirty="0" smtClean="0"/>
-              <a:t>due </a:t>
-            </a:r>
-            <a:r>
-              <a:rPr lang="en-US" dirty="0" smtClean="0"/>
-              <a:t>no later than your final exam period</a:t>
+              <a:t>Final report and game due no later than your final exam period</a:t>
             </a:r>
             <a:endParaRPr lang="en-US" b="1" dirty="0" smtClean="0"/>
           </a:p>
@@ -3810,19 +3788,7 @@
             <a:pPr lvl="1"/>
             <a:r>
               <a:rPr lang="en-US" dirty="0" smtClean="0"/>
-              <a:t>Includes ALL </a:t>
-            </a:r>
-            <a:r>
-              <a:rPr lang="en-US" dirty="0" smtClean="0"/>
-              <a:t>components </a:t>
-            </a:r>
-            <a:r>
-              <a:rPr lang="en-US" dirty="0" smtClean="0"/>
-              <a:t>described </a:t>
-            </a:r>
-            <a:r>
-              <a:rPr lang="en-US" dirty="0" smtClean="0"/>
-              <a:t>previously</a:t>
+              <a:t>Includes ALL components described previously</a:t>
             </a:r>
           </a:p>
           <a:p>
@@ -3838,7 +3804,6 @@
               <a:rPr lang="en-US" dirty="0" smtClean="0"/>
               <a:t> repository</a:t>
             </a:r>
-            <a:endParaRPr lang="en-US" dirty="0" smtClean="0"/>
           </a:p>
         </p:txBody>
       </p:sp>
@@ -4020,17 +3985,8 @@
           <a:p>
             <a:r>
               <a:rPr lang="en-US" dirty="0" smtClean="0"/>
-              <a:t>This will be a TEAM project, with teams of 4 to 5 </a:t>
-            </a:r>
-            <a:r>
-              <a:rPr lang="en-US" dirty="0" smtClean="0"/>
-              <a:t>students.  </a:t>
-            </a:r>
-            <a:r>
-              <a:rPr lang="en-US" dirty="0" smtClean="0"/>
-              <a:t>You may choose your groups, but I may change them if I find it necessary.</a:t>
-            </a:r>
-            <a:endParaRPr lang="en-US" dirty="0" smtClean="0"/>
+              <a:t>This will be a TEAM project, with teams of 4 to 5 students.  You may choose your groups, but I may change them if I find it necessary.</a:t>
+            </a:r>
           </a:p>
           <a:p>
             <a:r>
@@ -4336,16 +4292,11 @@
               <a:rPr lang="en-US" i="1" dirty="0" smtClean="0"/>
               <a:t>.  I neither expect nor want that</a:t>
             </a:r>
-            <a:endParaRPr lang="en-US" i="1" dirty="0" smtClean="0"/>
           </a:p>
           <a:p>
             <a:r>
               <a:rPr lang="en-US" i="1" dirty="0" smtClean="0"/>
-              <a:t>It’s </a:t>
-            </a:r>
-            <a:r>
-              <a:rPr lang="en-US" i="1" dirty="0" smtClean="0"/>
-              <a:t>the PROCESS that is important</a:t>
+              <a:t>It’s the PROCESS that is important</a:t>
             </a:r>
           </a:p>
           <a:p>
@@ -4677,13 +4628,8 @@
             <a:pPr lvl="1"/>
             <a:r>
               <a:rPr lang="en-US" dirty="0" smtClean="0"/>
-              <a:t>Write </a:t>
-            </a:r>
-            <a:r>
-              <a:rPr lang="en-US" dirty="0" smtClean="0"/>
-              <a:t>code</a:t>
-            </a:r>
-            <a:endParaRPr lang="en-US" dirty="0" smtClean="0"/>
+              <a:t>Write code</a:t>
+            </a:r>
           </a:p>
           <a:p>
             <a:pPr lvl="1"/>
